--- a/instructors/L8-reducing-emissions.pptx
+++ b/instructors/L8-reducing-emissions.pptx
@@ -137,7 +137,7 @@
 <file path=ppt/revisionInfo.xml><?xml version="1.0" encoding="utf-8"?>
 <p1510:revInfo xmlns:a="http://schemas.openxmlformats.org/drawingml/2006/main" xmlns:r="http://schemas.openxmlformats.org/officeDocument/2006/relationships" xmlns:p1510="http://schemas.microsoft.com/office/powerpoint/2015/10/main">
   <p1510:revLst>
-    <p1510:client id="{221B0570-8C90-024B-89AD-871788649965}" v="32" dt="2025-10-07T13:57:23.913"/>
+    <p1510:client id="{B040566D-8CF8-C54D-9532-E29B88D8DE57}" v="1" dt="2026-02-04T08:22:19.251"/>
   </p1510:revLst>
 </p1510:revInfo>
 </file>
@@ -146,113 +146,71 @@
 <pc:chgInfo xmlns:a="http://schemas.openxmlformats.org/drawingml/2006/main" xmlns:r="http://schemas.openxmlformats.org/officeDocument/2006/relationships" xmlns:ac="http://schemas.microsoft.com/office/drawing/2013/main/command" xmlns:pc="http://schemas.microsoft.com/office/powerpoint/2013/main/command">
   <pc:docChgLst>
     <pc:chgData name="Andrew Turner" userId="9b60647a-c825-4266-aafa-670849c64782" providerId="ADAL" clId="{292526B5-234E-5EAA-AFB8-0412B8CA4453}"/>
-    <pc:docChg chg="modSld modMainMaster">
-      <pc:chgData name="Andrew Turner" userId="9b60647a-c825-4266-aafa-670849c64782" providerId="ADAL" clId="{292526B5-234E-5EAA-AFB8-0412B8CA4453}" dt="2025-10-07T13:57:23.913" v="1"/>
+    <pc:docChg chg="custSel modSld modMainMaster">
+      <pc:chgData name="Andrew Turner" userId="9b60647a-c825-4266-aafa-670849c64782" providerId="ADAL" clId="{292526B5-234E-5EAA-AFB8-0412B8CA4453}" dt="2026-02-04T08:28:42.438" v="21" actId="1035"/>
       <pc:docMkLst>
         <pc:docMk/>
       </pc:docMkLst>
-      <pc:sldChg chg="setBg">
-        <pc:chgData name="Andrew Turner" userId="9b60647a-c825-4266-aafa-670849c64782" providerId="ADAL" clId="{292526B5-234E-5EAA-AFB8-0412B8CA4453}" dt="2025-10-07T13:57:23.913" v="1"/>
+      <pc:sldChg chg="modSp mod">
+        <pc:chgData name="Andrew Turner" userId="9b60647a-c825-4266-aafa-670849c64782" providerId="ADAL" clId="{292526B5-234E-5EAA-AFB8-0412B8CA4453}" dt="2026-02-04T08:21:35.833" v="2" actId="20577"/>
         <pc:sldMkLst>
           <pc:docMk/>
-          <pc:sldMk cId="2168162630" sldId="256"/>
+          <pc:sldMk cId="3791389032" sldId="260"/>
         </pc:sldMkLst>
+        <pc:spChg chg="mod">
+          <ac:chgData name="Andrew Turner" userId="9b60647a-c825-4266-aafa-670849c64782" providerId="ADAL" clId="{292526B5-234E-5EAA-AFB8-0412B8CA4453}" dt="2026-02-04T08:21:35.833" v="2" actId="20577"/>
+          <ac:spMkLst>
+            <pc:docMk/>
+            <pc:sldMk cId="3791389032" sldId="260"/>
+            <ac:spMk id="3" creationId="{10B11D3D-59E9-8B36-6C4E-DBF6E534A449}"/>
+          </ac:spMkLst>
+        </pc:spChg>
       </pc:sldChg>
-      <pc:sldMasterChg chg="setBg modSldLayout">
-        <pc:chgData name="Andrew Turner" userId="9b60647a-c825-4266-aafa-670849c64782" providerId="ADAL" clId="{292526B5-234E-5EAA-AFB8-0412B8CA4453}" dt="2025-10-07T13:57:23.913" v="1"/>
-        <pc:sldMasterMkLst>
+      <pc:sldChg chg="modSp mod">
+        <pc:chgData name="Andrew Turner" userId="9b60647a-c825-4266-aafa-670849c64782" providerId="ADAL" clId="{292526B5-234E-5EAA-AFB8-0412B8CA4453}" dt="2026-02-04T08:22:22.327" v="6" actId="20577"/>
+        <pc:sldMkLst>
           <pc:docMk/>
-          <pc:sldMasterMk cId="653439017" sldId="2147483648"/>
-        </pc:sldMasterMkLst>
-        <pc:sldLayoutChg chg="setBg">
-          <pc:chgData name="Andrew Turner" userId="9b60647a-c825-4266-aafa-670849c64782" providerId="ADAL" clId="{292526B5-234E-5EAA-AFB8-0412B8CA4453}" dt="2025-10-07T13:57:23.913" v="1"/>
-          <pc:sldLayoutMkLst>
+          <pc:sldMk cId="656932682" sldId="261"/>
+        </pc:sldMkLst>
+        <pc:spChg chg="mod">
+          <ac:chgData name="Andrew Turner" userId="9b60647a-c825-4266-aafa-670849c64782" providerId="ADAL" clId="{292526B5-234E-5EAA-AFB8-0412B8CA4453}" dt="2026-02-04T08:22:22.327" v="6" actId="20577"/>
+          <ac:spMkLst>
             <pc:docMk/>
-            <pc:sldMasterMk cId="653439017" sldId="2147483648"/>
-            <pc:sldLayoutMk cId="2914649241" sldId="2147483649"/>
-          </pc:sldLayoutMkLst>
-        </pc:sldLayoutChg>
-        <pc:sldLayoutChg chg="setBg">
-          <pc:chgData name="Andrew Turner" userId="9b60647a-c825-4266-aafa-670849c64782" providerId="ADAL" clId="{292526B5-234E-5EAA-AFB8-0412B8CA4453}" dt="2025-10-07T13:57:23.913" v="1"/>
-          <pc:sldLayoutMkLst>
+            <pc:sldMk cId="656932682" sldId="261"/>
+            <ac:spMk id="3" creationId="{2B4E3EFA-0D3E-3AEB-03F8-59B138FA5BBC}"/>
+          </ac:spMkLst>
+        </pc:spChg>
+      </pc:sldChg>
+      <pc:sldChg chg="modSp mod">
+        <pc:chgData name="Andrew Turner" userId="9b60647a-c825-4266-aafa-670849c64782" providerId="ADAL" clId="{292526B5-234E-5EAA-AFB8-0412B8CA4453}" dt="2026-02-04T08:28:23.051" v="7" actId="20577"/>
+        <pc:sldMkLst>
+          <pc:docMk/>
+          <pc:sldMk cId="3941669629" sldId="272"/>
+        </pc:sldMkLst>
+        <pc:spChg chg="mod">
+          <ac:chgData name="Andrew Turner" userId="9b60647a-c825-4266-aafa-670849c64782" providerId="ADAL" clId="{292526B5-234E-5EAA-AFB8-0412B8CA4453}" dt="2026-02-04T08:28:23.051" v="7" actId="20577"/>
+          <ac:spMkLst>
             <pc:docMk/>
-            <pc:sldMasterMk cId="653439017" sldId="2147483648"/>
-            <pc:sldLayoutMk cId="3224556455" sldId="2147483650"/>
-          </pc:sldLayoutMkLst>
-        </pc:sldLayoutChg>
-        <pc:sldLayoutChg chg="setBg">
-          <pc:chgData name="Andrew Turner" userId="9b60647a-c825-4266-aafa-670849c64782" providerId="ADAL" clId="{292526B5-234E-5EAA-AFB8-0412B8CA4453}" dt="2025-10-07T13:57:23.913" v="1"/>
-          <pc:sldLayoutMkLst>
+            <pc:sldMk cId="3941669629" sldId="272"/>
+            <ac:spMk id="3" creationId="{B033ABD3-5676-F2B4-B06E-594BC9F5CCAD}"/>
+          </ac:spMkLst>
+        </pc:spChg>
+      </pc:sldChg>
+      <pc:sldChg chg="modSp mod">
+        <pc:chgData name="Andrew Turner" userId="9b60647a-c825-4266-aafa-670849c64782" providerId="ADAL" clId="{292526B5-234E-5EAA-AFB8-0412B8CA4453}" dt="2026-02-04T08:28:42.438" v="21" actId="1035"/>
+        <pc:sldMkLst>
+          <pc:docMk/>
+          <pc:sldMk cId="2909949448" sldId="276"/>
+        </pc:sldMkLst>
+        <pc:spChg chg="mod">
+          <ac:chgData name="Andrew Turner" userId="9b60647a-c825-4266-aafa-670849c64782" providerId="ADAL" clId="{292526B5-234E-5EAA-AFB8-0412B8CA4453}" dt="2026-02-04T08:28:42.438" v="21" actId="1035"/>
+          <ac:spMkLst>
             <pc:docMk/>
-            <pc:sldMasterMk cId="653439017" sldId="2147483648"/>
-            <pc:sldLayoutMk cId="63231570" sldId="2147483651"/>
-          </pc:sldLayoutMkLst>
-        </pc:sldLayoutChg>
-        <pc:sldLayoutChg chg="setBg">
-          <pc:chgData name="Andrew Turner" userId="9b60647a-c825-4266-aafa-670849c64782" providerId="ADAL" clId="{292526B5-234E-5EAA-AFB8-0412B8CA4453}" dt="2025-10-07T13:57:23.913" v="1"/>
-          <pc:sldLayoutMkLst>
-            <pc:docMk/>
-            <pc:sldMasterMk cId="653439017" sldId="2147483648"/>
-            <pc:sldLayoutMk cId="1542786272" sldId="2147483652"/>
-          </pc:sldLayoutMkLst>
-        </pc:sldLayoutChg>
-        <pc:sldLayoutChg chg="setBg">
-          <pc:chgData name="Andrew Turner" userId="9b60647a-c825-4266-aafa-670849c64782" providerId="ADAL" clId="{292526B5-234E-5EAA-AFB8-0412B8CA4453}" dt="2025-10-07T13:57:23.913" v="1"/>
-          <pc:sldLayoutMkLst>
-            <pc:docMk/>
-            <pc:sldMasterMk cId="653439017" sldId="2147483648"/>
-            <pc:sldLayoutMk cId="1992991971" sldId="2147483653"/>
-          </pc:sldLayoutMkLst>
-        </pc:sldLayoutChg>
-        <pc:sldLayoutChg chg="setBg">
-          <pc:chgData name="Andrew Turner" userId="9b60647a-c825-4266-aafa-670849c64782" providerId="ADAL" clId="{292526B5-234E-5EAA-AFB8-0412B8CA4453}" dt="2025-10-07T13:57:23.913" v="1"/>
-          <pc:sldLayoutMkLst>
-            <pc:docMk/>
-            <pc:sldMasterMk cId="653439017" sldId="2147483648"/>
-            <pc:sldLayoutMk cId="3929830859" sldId="2147483654"/>
-          </pc:sldLayoutMkLst>
-        </pc:sldLayoutChg>
-        <pc:sldLayoutChg chg="setBg">
-          <pc:chgData name="Andrew Turner" userId="9b60647a-c825-4266-aafa-670849c64782" providerId="ADAL" clId="{292526B5-234E-5EAA-AFB8-0412B8CA4453}" dt="2025-10-07T13:57:23.913" v="1"/>
-          <pc:sldLayoutMkLst>
-            <pc:docMk/>
-            <pc:sldMasterMk cId="653439017" sldId="2147483648"/>
-            <pc:sldLayoutMk cId="377660004" sldId="2147483655"/>
-          </pc:sldLayoutMkLst>
-        </pc:sldLayoutChg>
-        <pc:sldLayoutChg chg="setBg">
-          <pc:chgData name="Andrew Turner" userId="9b60647a-c825-4266-aafa-670849c64782" providerId="ADAL" clId="{292526B5-234E-5EAA-AFB8-0412B8CA4453}" dt="2025-10-07T13:57:23.913" v="1"/>
-          <pc:sldLayoutMkLst>
-            <pc:docMk/>
-            <pc:sldMasterMk cId="653439017" sldId="2147483648"/>
-            <pc:sldLayoutMk cId="3266130916" sldId="2147483656"/>
-          </pc:sldLayoutMkLst>
-        </pc:sldLayoutChg>
-        <pc:sldLayoutChg chg="setBg">
-          <pc:chgData name="Andrew Turner" userId="9b60647a-c825-4266-aafa-670849c64782" providerId="ADAL" clId="{292526B5-234E-5EAA-AFB8-0412B8CA4453}" dt="2025-10-07T13:57:23.913" v="1"/>
-          <pc:sldLayoutMkLst>
-            <pc:docMk/>
-            <pc:sldMasterMk cId="653439017" sldId="2147483648"/>
-            <pc:sldLayoutMk cId="3963866137" sldId="2147483657"/>
-          </pc:sldLayoutMkLst>
-        </pc:sldLayoutChg>
-        <pc:sldLayoutChg chg="setBg">
-          <pc:chgData name="Andrew Turner" userId="9b60647a-c825-4266-aafa-670849c64782" providerId="ADAL" clId="{292526B5-234E-5EAA-AFB8-0412B8CA4453}" dt="2025-10-07T13:57:23.913" v="1"/>
-          <pc:sldLayoutMkLst>
-            <pc:docMk/>
-            <pc:sldMasterMk cId="653439017" sldId="2147483648"/>
-            <pc:sldLayoutMk cId="1910096140" sldId="2147483658"/>
-          </pc:sldLayoutMkLst>
-        </pc:sldLayoutChg>
-        <pc:sldLayoutChg chg="setBg">
-          <pc:chgData name="Andrew Turner" userId="9b60647a-c825-4266-aafa-670849c64782" providerId="ADAL" clId="{292526B5-234E-5EAA-AFB8-0412B8CA4453}" dt="2025-10-07T13:57:23.913" v="1"/>
-          <pc:sldLayoutMkLst>
-            <pc:docMk/>
-            <pc:sldMasterMk cId="653439017" sldId="2147483648"/>
-            <pc:sldLayoutMk cId="432191240" sldId="2147483659"/>
-          </pc:sldLayoutMkLst>
-        </pc:sldLayoutChg>
-      </pc:sldMasterChg>
+            <pc:sldMk cId="2909949448" sldId="276"/>
+            <ac:spMk id="4" creationId="{9C38E8B8-24BD-318F-5B03-09F0407E02D5}"/>
+          </ac:spMkLst>
+        </pc:spChg>
+      </pc:sldChg>
     </pc:docChg>
   </pc:docChgLst>
 </pc:chgInfo>
@@ -405,7 +363,7 @@
           <a:p>
             <a:fld id="{401BCBAA-4F76-C245-9463-A5D066D6963D}" type="datetimeFigureOut">
               <a:rPr lang="en-GB" smtClean="0"/>
-              <a:t>07/10/2025</a:t>
+              <a:t>03/02/2026</a:t>
             </a:fld>
             <a:endParaRPr lang="en-GB"/>
           </a:p>
@@ -603,7 +561,7 @@
           <a:p>
             <a:fld id="{401BCBAA-4F76-C245-9463-A5D066D6963D}" type="datetimeFigureOut">
               <a:rPr lang="en-GB" smtClean="0"/>
-              <a:t>07/10/2025</a:t>
+              <a:t>03/02/2026</a:t>
             </a:fld>
             <a:endParaRPr lang="en-GB"/>
           </a:p>
@@ -811,7 +769,7 @@
           <a:p>
             <a:fld id="{401BCBAA-4F76-C245-9463-A5D066D6963D}" type="datetimeFigureOut">
               <a:rPr lang="en-GB" smtClean="0"/>
-              <a:t>07/10/2025</a:t>
+              <a:t>03/02/2026</a:t>
             </a:fld>
             <a:endParaRPr lang="en-GB"/>
           </a:p>
@@ -1009,7 +967,7 @@
           <a:p>
             <a:fld id="{401BCBAA-4F76-C245-9463-A5D066D6963D}" type="datetimeFigureOut">
               <a:rPr lang="en-GB" smtClean="0"/>
-              <a:t>07/10/2025</a:t>
+              <a:t>03/02/2026</a:t>
             </a:fld>
             <a:endParaRPr lang="en-GB"/>
           </a:p>
@@ -1284,7 +1242,7 @@
           <a:p>
             <a:fld id="{401BCBAA-4F76-C245-9463-A5D066D6963D}" type="datetimeFigureOut">
               <a:rPr lang="en-GB" smtClean="0"/>
-              <a:t>07/10/2025</a:t>
+              <a:t>03/02/2026</a:t>
             </a:fld>
             <a:endParaRPr lang="en-GB"/>
           </a:p>
@@ -1549,7 +1507,7 @@
           <a:p>
             <a:fld id="{401BCBAA-4F76-C245-9463-A5D066D6963D}" type="datetimeFigureOut">
               <a:rPr lang="en-GB" smtClean="0"/>
-              <a:t>07/10/2025</a:t>
+              <a:t>03/02/2026</a:t>
             </a:fld>
             <a:endParaRPr lang="en-GB"/>
           </a:p>
@@ -1961,7 +1919,7 @@
           <a:p>
             <a:fld id="{401BCBAA-4F76-C245-9463-A5D066D6963D}" type="datetimeFigureOut">
               <a:rPr lang="en-GB" smtClean="0"/>
-              <a:t>07/10/2025</a:t>
+              <a:t>03/02/2026</a:t>
             </a:fld>
             <a:endParaRPr lang="en-GB"/>
           </a:p>
@@ -2102,7 +2060,7 @@
           <a:p>
             <a:fld id="{401BCBAA-4F76-C245-9463-A5D066D6963D}" type="datetimeFigureOut">
               <a:rPr lang="en-GB" smtClean="0"/>
-              <a:t>07/10/2025</a:t>
+              <a:t>03/02/2026</a:t>
             </a:fld>
             <a:endParaRPr lang="en-GB"/>
           </a:p>
@@ -2215,7 +2173,7 @@
           <a:p>
             <a:fld id="{401BCBAA-4F76-C245-9463-A5D066D6963D}" type="datetimeFigureOut">
               <a:rPr lang="en-GB" smtClean="0"/>
-              <a:t>07/10/2025</a:t>
+              <a:t>03/02/2026</a:t>
             </a:fld>
             <a:endParaRPr lang="en-GB"/>
           </a:p>
@@ -2526,7 +2484,7 @@
           <a:p>
             <a:fld id="{401BCBAA-4F76-C245-9463-A5D066D6963D}" type="datetimeFigureOut">
               <a:rPr lang="en-GB" smtClean="0"/>
-              <a:t>07/10/2025</a:t>
+              <a:t>03/02/2026</a:t>
             </a:fld>
             <a:endParaRPr lang="en-GB"/>
           </a:p>
@@ -2814,7 +2772,7 @@
           <a:p>
             <a:fld id="{401BCBAA-4F76-C245-9463-A5D066D6963D}" type="datetimeFigureOut">
               <a:rPr lang="en-GB" smtClean="0"/>
-              <a:t>07/10/2025</a:t>
+              <a:t>03/02/2026</a:t>
             </a:fld>
             <a:endParaRPr lang="en-GB"/>
           </a:p>
@@ -3058,7 +3016,7 @@
           <a:p>
             <a:fld id="{401BCBAA-4F76-C245-9463-A5D066D6963D}" type="datetimeFigureOut">
               <a:rPr lang="en-GB" smtClean="0"/>
-              <a:t>07/10/2025</a:t>
+              <a:t>03/02/2026</a:t>
             </a:fld>
             <a:endParaRPr lang="en-GB"/>
           </a:p>
@@ -4556,15 +4514,7 @@
           <a:p>
             <a:r>
               <a:rPr lang="en-GB" dirty="0"/>
-              <a:t>For HPC facilities, part of these strategies incudes </a:t>
-            </a:r>
-            <a:r>
-              <a:rPr lang="en-GB" dirty="0" err="1"/>
-              <a:t>ducating</a:t>
-            </a:r>
-            <a:r>
-              <a:rPr lang="en-GB" dirty="0"/>
-              <a:t> and putting policies and approaches in place to support users in eliminating emissions and improving their emissions efficiency</a:t>
+              <a:t>For HPC facilities, part of these strategies incudes educating and putting policies and approaches in place to support users in eliminating emissions and improving their emissions efficiency</a:t>
             </a:r>
           </a:p>
         </p:txBody>
@@ -5706,7 +5656,7 @@
         </p:nvSpPr>
         <p:spPr>
           <a:xfrm>
-            <a:off x="838200" y="1872867"/>
+            <a:off x="838200" y="1568064"/>
             <a:ext cx="4975953" cy="4893647"/>
           </a:xfrm>
           <a:prstGeom prst="rect">
@@ -6930,7 +6880,7 @@
           <a:p>
             <a:r>
               <a:rPr lang="en-GB" dirty="0"/>
-              <a:t>Can you think of actions that a organisation procuring HPC systems could take to implement abatement when buying HPC systems?</a:t>
+              <a:t>Can you think of actions that an organisation procuring HPC systems could take to implement abatement when buying HPC systems?</a:t>
             </a:r>
           </a:p>
         </p:txBody>
@@ -7017,10 +6967,104 @@
         </p:nvSpPr>
         <p:spPr/>
         <p:txBody>
-          <a:bodyPr/>
-          <a:lstStyle/>
-          <a:p>
-            <a:endParaRPr lang="en-GB"/>
+          <a:bodyPr>
+            <a:normAutofit fontScale="77500" lnSpcReduction="20000"/>
+          </a:bodyPr>
+          <a:lstStyle/>
+          <a:p>
+            <a:r>
+              <a:rPr lang="en-GB" dirty="0"/>
+              <a:t>Individual users:</a:t>
+            </a:r>
+          </a:p>
+          <a:p>
+            <a:pPr lvl="1"/>
+            <a:r>
+              <a:rPr lang="en-GB" dirty="0"/>
+              <a:t>Run fewer jobs!</a:t>
+            </a:r>
+          </a:p>
+          <a:p>
+            <a:pPr lvl="1"/>
+            <a:r>
+              <a:rPr lang="en-GB" dirty="0"/>
+              <a:t>Reduce wasted resources by having fewer job failures</a:t>
+            </a:r>
+          </a:p>
+          <a:p>
+            <a:pPr lvl="1"/>
+            <a:r>
+              <a:rPr lang="en-GB" dirty="0"/>
+              <a:t>Run on systems that minimise emissions (spatial shifting)</a:t>
+            </a:r>
+          </a:p>
+          <a:p>
+            <a:pPr lvl="1"/>
+            <a:r>
+              <a:rPr lang="en-GB" dirty="0"/>
+              <a:t>Run when emissions from electricity are lower (temporal shifting)</a:t>
+            </a:r>
+          </a:p>
+          <a:p>
+            <a:r>
+              <a:rPr lang="en-GB" dirty="0"/>
+              <a:t>Service operators:</a:t>
+            </a:r>
+          </a:p>
+          <a:p>
+            <a:pPr lvl="1"/>
+            <a:r>
+              <a:rPr lang="en-GB" dirty="0"/>
+              <a:t>Build scheduler policies to eliminate emissions</a:t>
+            </a:r>
+          </a:p>
+          <a:p>
+            <a:pPr lvl="1"/>
+            <a:r>
+              <a:rPr lang="en-GB" dirty="0"/>
+              <a:t>Provide tools and information that allow users to quantify their emissions and measure reductions</a:t>
+            </a:r>
+          </a:p>
+          <a:p>
+            <a:pPr lvl="1"/>
+            <a:r>
+              <a:rPr lang="en-GB" dirty="0"/>
+              <a:t>Provide training on carbon emissions and abatement strategies</a:t>
+            </a:r>
+          </a:p>
+          <a:p>
+            <a:r>
+              <a:rPr lang="en-GB" dirty="0"/>
+              <a:t>Service procurement:</a:t>
+            </a:r>
+          </a:p>
+          <a:p>
+            <a:pPr lvl="1"/>
+            <a:r>
+              <a:rPr lang="en-GB" dirty="0"/>
+              <a:t>Purchase the minimum amount of hardware possible for the service</a:t>
+            </a:r>
+          </a:p>
+          <a:p>
+            <a:pPr lvl="1"/>
+            <a:r>
+              <a:rPr lang="en-GB" dirty="0"/>
+              <a:t>Build scoring on amount of embodied and operational emissions into procurement process</a:t>
+            </a:r>
+          </a:p>
+          <a:p>
+            <a:pPr lvl="1"/>
+            <a:r>
+              <a:rPr lang="en-GB" dirty="0"/>
+              <a:t>Site HPC systems at locations that have low carbon intensities</a:t>
+            </a:r>
+          </a:p>
+          <a:p>
+            <a:pPr lvl="1"/>
+            <a:r>
+              <a:rPr lang="en-GB" dirty="0"/>
+              <a:t>Run services for as long as possible</a:t>
+            </a:r>
           </a:p>
         </p:txBody>
       </p:sp>
